--- a/documentation/jdgFrog_Presentation.pptx
+++ b/documentation/jdgFrog_Presentation.pptx
@@ -5943,12 +5943,12 @@
           <a:graphicData uri="http://schemas.openxmlformats.org/presentationml/2006/ole">
             <mc:AlternateContent xmlns:mc="http://schemas.openxmlformats.org/markup-compatibility/2006">
               <mc:Choice xmlns:v="urn:schemas-microsoft-com:vml" Requires="v">
-                <p:oleObj spid="_x0000_s1049" r:id="rId4" imgW="3035300" imgH="2755900" progId="">
+                <p:oleObj spid="_x0000_s1053" r:id="rId3" imgW="3035300" imgH="2755900" progId="">
                   <p:embed/>
                 </p:oleObj>
               </mc:Choice>
               <mc:Fallback>
-                <p:oleObj r:id="rId4" imgW="3035300" imgH="2755900" progId="">
+                <p:oleObj r:id="rId3" imgW="3035300" imgH="2755900" progId="">
                   <p:embed/>
                   <p:pic>
                     <p:nvPicPr>
@@ -5959,7 +5959,7 @@
                       <p:nvPr/>
                     </p:nvPicPr>
                     <p:blipFill>
-                      <a:blip r:embed="rId5">
+                      <a:blip r:embed="rId4">
                         <a:extLst>
                           <a:ext uri="{28A0092B-C50C-407E-A947-70E740481C1C}">
                             <a14:useLocalDpi xmlns:a14="http://schemas.microsoft.com/office/drawing/2010/main" val="0"/>
@@ -6019,12 +6019,12 @@
           <a:graphicData uri="http://schemas.openxmlformats.org/presentationml/2006/ole">
             <mc:AlternateContent xmlns:mc="http://schemas.openxmlformats.org/markup-compatibility/2006">
               <mc:Choice xmlns:v="urn:schemas-microsoft-com:vml" Requires="v">
-                <p:oleObj spid="_x0000_s1050" r:id="rId7" imgW="3302000" imgH="3898900" progId="">
+                <p:oleObj spid="_x0000_s1054" r:id="rId5" imgW="3302000" imgH="3898900" progId="">
                   <p:embed/>
                 </p:oleObj>
               </mc:Choice>
               <mc:Fallback>
-                <p:oleObj r:id="rId7" imgW="3302000" imgH="3898900" progId="">
+                <p:oleObj r:id="rId5" imgW="3302000" imgH="3898900" progId="">
                   <p:embed/>
                   <p:pic>
                     <p:nvPicPr>
@@ -6035,7 +6035,7 @@
                       <p:nvPr/>
                     </p:nvPicPr>
                     <p:blipFill>
-                      <a:blip r:embed="rId8">
+                      <a:blip r:embed="rId6">
                         <a:extLst>
                           <a:ext uri="{28A0092B-C50C-407E-A947-70E740481C1C}">
                             <a14:useLocalDpi xmlns:a14="http://schemas.microsoft.com/office/drawing/2010/main" val="0"/>
@@ -6714,7 +6714,15 @@
             </a:r>
             <a:r>
               <a:rPr lang="en-US" dirty="0" smtClean="0"/>
-              <a:t>An ASP.NET Web application which interfaces with the database and allows users to search, analyze, and maintain it</a:t>
+              <a:t>An </a:t>
+            </a:r>
+            <a:r>
+              <a:rPr lang="en-US" dirty="0" smtClean="0"/>
+              <a:t>CakePHP Web </a:t>
+            </a:r>
+            <a:r>
+              <a:rPr lang="en-US" dirty="0" smtClean="0"/>
+              <a:t>application which interfaces with the database and allows users to search, analyze, and maintain it</a:t>
             </a:r>
           </a:p>
         </p:txBody>
@@ -6882,15 +6890,13 @@
             <a:pPr lvl="1"/>
             <a:r>
               <a:rPr lang="en-US" dirty="0" smtClean="0"/>
-              <a:t> Visual Studio 2013</a:t>
-            </a:r>
-          </a:p>
-          <a:p>
-            <a:pPr lvl="2"/>
+              <a:t> </a:t>
+            </a:r>
             <a:r>
               <a:rPr lang="en-US" dirty="0" smtClean="0"/>
-              <a:t> ASP.NET MVC5</a:t>
-            </a:r>
+              <a:t>CakePHP 2.6.1</a:t>
+            </a:r>
+            <a:endParaRPr lang="en-US" dirty="0" smtClean="0"/>
           </a:p>
           <a:p>
             <a:pPr lvl="1"/>
@@ -6938,7 +6944,7 @@
 </file>
 
 <file path=ppt/slides/slide6.xml><?xml version="1.0" encoding="utf-8"?>
-<p:sld xmlns:a="http://schemas.openxmlformats.org/drawingml/2006/main" xmlns:r="http://schemas.openxmlformats.org/officeDocument/2006/relationships" xmlns:p="http://schemas.openxmlformats.org/presentationml/2006/main">
+<p:sld xmlns:a="http://schemas.openxmlformats.org/drawingml/2006/main" xmlns:r="http://schemas.openxmlformats.org/officeDocument/2006/relationships" xmlns:p="http://schemas.openxmlformats.org/presentationml/2006/main" show="0">
   <p:cSld>
     <p:spTree>
       <p:nvGrpSpPr>
@@ -7040,6 +7046,14 @@
   <p:clrMapOvr>
     <a:masterClrMapping/>
   </p:clrMapOvr>
+  <mc:AlternateContent xmlns:mc="http://schemas.openxmlformats.org/markup-compatibility/2006">
+    <mc:Choice xmlns:p14="http://schemas.microsoft.com/office/powerpoint/2010/main" Requires="p14">
+      <p:transition spd="slow" p14:dur="2000"/>
+    </mc:Choice>
+    <mc:Fallback>
+      <p:transition xmlns:p14="http://schemas.microsoft.com/office/powerpoint/2010/main" spd="slow"/>
+    </mc:Fallback>
+  </mc:AlternateContent>
   <p:timing>
     <p:tnLst>
       <p:par>
